--- a/src/Random Forest.pptx
+++ b/src/Random Forest.pptx
@@ -2,22 +2,23 @@
 <file path=ppt/presentation.xml><?xml version="1.0" encoding="utf-8"?>
 <p:presentation xmlns:a="http://schemas.openxmlformats.org/drawingml/2006/main" xmlns:r="http://schemas.openxmlformats.org/officeDocument/2006/relationships" xmlns:p="http://schemas.openxmlformats.org/presentationml/2006/main" saveSubsetFonts="1">
   <p:sldMasterIdLst>
-    <p:sldMasterId id="2147483648" r:id="rId1"/>
+    <p:sldMasterId id="2147483660" r:id="rId1"/>
   </p:sldMasterIdLst>
   <p:sldIdLst>
     <p:sldId id="256" r:id="rId2"/>
-    <p:sldId id="257" r:id="rId3"/>
-    <p:sldId id="258" r:id="rId4"/>
-    <p:sldId id="259" r:id="rId5"/>
-    <p:sldId id="260" r:id="rId6"/>
+    <p:sldId id="261" r:id="rId3"/>
+    <p:sldId id="257" r:id="rId4"/>
+    <p:sldId id="258" r:id="rId5"/>
+    <p:sldId id="259" r:id="rId6"/>
+    <p:sldId id="260" r:id="rId7"/>
   </p:sldIdLst>
-  <p:sldSz cx="12192000" cy="6858000"/>
+  <p:sldSz cx="9144000" cy="6858000" type="screen4x3"/>
   <p:notesSz cx="6858000" cy="9144000"/>
   <p:defaultTextStyle>
     <a:defPPr>
       <a:defRPr lang="en-US"/>
     </a:defPPr>
-    <a:lvl1pPr marL="0" algn="l" defTabSz="914400" rtl="0" eaLnBrk="1" latinLnBrk="0" hangingPunct="1">
+    <a:lvl1pPr marL="0" algn="l" defTabSz="457200" rtl="0" eaLnBrk="1" latinLnBrk="0" hangingPunct="1">
       <a:defRPr sz="1800" kern="1200">
         <a:solidFill>
           <a:schemeClr val="tx1"/>
@@ -27,7 +28,7 @@
         <a:cs typeface="+mn-cs"/>
       </a:defRPr>
     </a:lvl1pPr>
-    <a:lvl2pPr marL="457200" algn="l" defTabSz="914400" rtl="0" eaLnBrk="1" latinLnBrk="0" hangingPunct="1">
+    <a:lvl2pPr marL="457200" algn="l" defTabSz="457200" rtl="0" eaLnBrk="1" latinLnBrk="0" hangingPunct="1">
       <a:defRPr sz="1800" kern="1200">
         <a:solidFill>
           <a:schemeClr val="tx1"/>
@@ -37,7 +38,7 @@
         <a:cs typeface="+mn-cs"/>
       </a:defRPr>
     </a:lvl2pPr>
-    <a:lvl3pPr marL="914400" algn="l" defTabSz="914400" rtl="0" eaLnBrk="1" latinLnBrk="0" hangingPunct="1">
+    <a:lvl3pPr marL="914400" algn="l" defTabSz="457200" rtl="0" eaLnBrk="1" latinLnBrk="0" hangingPunct="1">
       <a:defRPr sz="1800" kern="1200">
         <a:solidFill>
           <a:schemeClr val="tx1"/>
@@ -47,7 +48,7 @@
         <a:cs typeface="+mn-cs"/>
       </a:defRPr>
     </a:lvl3pPr>
-    <a:lvl4pPr marL="1371600" algn="l" defTabSz="914400" rtl="0" eaLnBrk="1" latinLnBrk="0" hangingPunct="1">
+    <a:lvl4pPr marL="1371600" algn="l" defTabSz="457200" rtl="0" eaLnBrk="1" latinLnBrk="0" hangingPunct="1">
       <a:defRPr sz="1800" kern="1200">
         <a:solidFill>
           <a:schemeClr val="tx1"/>
@@ -57,7 +58,7 @@
         <a:cs typeface="+mn-cs"/>
       </a:defRPr>
     </a:lvl4pPr>
-    <a:lvl5pPr marL="1828800" algn="l" defTabSz="914400" rtl="0" eaLnBrk="1" latinLnBrk="0" hangingPunct="1">
+    <a:lvl5pPr marL="1828800" algn="l" defTabSz="457200" rtl="0" eaLnBrk="1" latinLnBrk="0" hangingPunct="1">
       <a:defRPr sz="1800" kern="1200">
         <a:solidFill>
           <a:schemeClr val="tx1"/>
@@ -67,7 +68,7 @@
         <a:cs typeface="+mn-cs"/>
       </a:defRPr>
     </a:lvl5pPr>
-    <a:lvl6pPr marL="2286000" algn="l" defTabSz="914400" rtl="0" eaLnBrk="1" latinLnBrk="0" hangingPunct="1">
+    <a:lvl6pPr marL="2286000" algn="l" defTabSz="457200" rtl="0" eaLnBrk="1" latinLnBrk="0" hangingPunct="1">
       <a:defRPr sz="1800" kern="1200">
         <a:solidFill>
           <a:schemeClr val="tx1"/>
@@ -77,7 +78,7 @@
         <a:cs typeface="+mn-cs"/>
       </a:defRPr>
     </a:lvl6pPr>
-    <a:lvl7pPr marL="2743200" algn="l" defTabSz="914400" rtl="0" eaLnBrk="1" latinLnBrk="0" hangingPunct="1">
+    <a:lvl7pPr marL="2743200" algn="l" defTabSz="457200" rtl="0" eaLnBrk="1" latinLnBrk="0" hangingPunct="1">
       <a:defRPr sz="1800" kern="1200">
         <a:solidFill>
           <a:schemeClr val="tx1"/>
@@ -87,7 +88,7 @@
         <a:cs typeface="+mn-cs"/>
       </a:defRPr>
     </a:lvl7pPr>
-    <a:lvl8pPr marL="3200400" algn="l" defTabSz="914400" rtl="0" eaLnBrk="1" latinLnBrk="0" hangingPunct="1">
+    <a:lvl8pPr marL="3200400" algn="l" defTabSz="457200" rtl="0" eaLnBrk="1" latinLnBrk="0" hangingPunct="1">
       <a:defRPr sz="1800" kern="1200">
         <a:solidFill>
           <a:schemeClr val="tx1"/>
@@ -97,7 +98,7 @@
         <a:cs typeface="+mn-cs"/>
       </a:defRPr>
     </a:lvl8pPr>
-    <a:lvl9pPr marL="3657600" algn="l" defTabSz="914400" rtl="0" eaLnBrk="1" latinLnBrk="0" hangingPunct="1">
+    <a:lvl9pPr marL="3657600" algn="l" defTabSz="457200" rtl="0" eaLnBrk="1" latinLnBrk="0" hangingPunct="1">
       <a:defRPr sz="1800" kern="1200">
         <a:solidFill>
           <a:schemeClr val="tx1"/>
@@ -108,6 +109,11 @@
       </a:defRPr>
     </a:lvl9pPr>
   </p:defaultTextStyle>
+  <p:extLst>
+    <p:ext uri="{EFAFB233-063F-42B5-8137-9DF3F51BA10A}">
+      <p15:sldGuideLst xmlns:p15="http://schemas.microsoft.com/office/powerpoint/2012/main"/>
+    </p:ext>
+  </p:extLst>
 </p:presentation>
 </file>
 
@@ -140,8 +146,8 @@
         </p:nvSpPr>
         <p:spPr>
           <a:xfrm>
-            <a:off x="1524000" y="1122363"/>
-            <a:ext cx="9144000" cy="2387600"/>
+            <a:off x="685800" y="1122363"/>
+            <a:ext cx="7772400" cy="2387600"/>
           </a:xfrm>
         </p:spPr>
         <p:txBody>
@@ -156,7 +162,7 @@
               <a:rPr lang="en-US"/>
               <a:t>Click to edit Master title style</a:t>
             </a:r>
-            <a:endParaRPr lang="en-US"/>
+            <a:endParaRPr lang="en-US" dirty="0"/>
           </a:p>
         </p:txBody>
       </p:sp>
@@ -172,8 +178,8 @@
         </p:nvSpPr>
         <p:spPr>
           <a:xfrm>
-            <a:off x="1524000" y="3602038"/>
-            <a:ext cx="9144000" cy="1655762"/>
+            <a:off x="1143000" y="3602038"/>
+            <a:ext cx="6858000" cy="1655762"/>
           </a:xfrm>
         </p:spPr>
         <p:txBody>
@@ -221,7 +227,7 @@
               <a:rPr lang="en-US"/>
               <a:t>Click to edit Master subtitle style</a:t>
             </a:r>
-            <a:endParaRPr lang="en-US"/>
+            <a:endParaRPr lang="en-US" dirty="0"/>
           </a:p>
         </p:txBody>
       </p:sp>
@@ -293,7 +299,7 @@
     </p:spTree>
     <p:extLst>
       <p:ext uri="{BB962C8B-B14F-4D97-AF65-F5344CB8AC3E}">
-        <p14:creationId xmlns:p14="http://schemas.microsoft.com/office/powerpoint/2010/main" val="1462492353"/>
+        <p14:creationId xmlns:p14="http://schemas.microsoft.com/office/powerpoint/2010/main" val="2976135464"/>
       </p:ext>
     </p:extLst>
   </p:cSld>
@@ -339,7 +345,7 @@
               <a:rPr lang="en-US"/>
               <a:t>Click to edit Master title style</a:t>
             </a:r>
-            <a:endParaRPr lang="en-US"/>
+            <a:endParaRPr lang="en-US" dirty="0"/>
           </a:p>
         </p:txBody>
       </p:sp>
@@ -391,7 +397,7 @@
               <a:rPr lang="en-US"/>
               <a:t>Fifth level</a:t>
             </a:r>
-            <a:endParaRPr lang="en-US"/>
+            <a:endParaRPr lang="en-US" dirty="0"/>
           </a:p>
         </p:txBody>
       </p:sp>
@@ -463,7 +469,7 @@
     </p:spTree>
     <p:extLst>
       <p:ext uri="{BB962C8B-B14F-4D97-AF65-F5344CB8AC3E}">
-        <p14:creationId xmlns:p14="http://schemas.microsoft.com/office/powerpoint/2010/main" val="2631826128"/>
+        <p14:creationId xmlns:p14="http://schemas.microsoft.com/office/powerpoint/2010/main" val="1103410845"/>
       </p:ext>
     </p:extLst>
   </p:cSld>
@@ -502,8 +508,8 @@
         </p:nvSpPr>
         <p:spPr>
           <a:xfrm>
-            <a:off x="8724900" y="365125"/>
-            <a:ext cx="2628900" cy="5811838"/>
+            <a:off x="6543675" y="365125"/>
+            <a:ext cx="1971675" cy="5811838"/>
           </a:xfrm>
         </p:spPr>
         <p:txBody>
@@ -514,7 +520,7 @@
               <a:rPr lang="en-US"/>
               <a:t>Click to edit Master title style</a:t>
             </a:r>
-            <a:endParaRPr lang="en-US"/>
+            <a:endParaRPr lang="en-US" dirty="0"/>
           </a:p>
         </p:txBody>
       </p:sp>
@@ -530,8 +536,8 @@
         </p:nvSpPr>
         <p:spPr>
           <a:xfrm>
-            <a:off x="838200" y="365125"/>
-            <a:ext cx="7734300" cy="5811838"/>
+            <a:off x="628650" y="365125"/>
+            <a:ext cx="5800725" cy="5811838"/>
           </a:xfrm>
         </p:spPr>
         <p:txBody>
@@ -571,7 +577,7 @@
               <a:rPr lang="en-US"/>
               <a:t>Fifth level</a:t>
             </a:r>
-            <a:endParaRPr lang="en-US"/>
+            <a:endParaRPr lang="en-US" dirty="0"/>
           </a:p>
         </p:txBody>
       </p:sp>
@@ -643,7 +649,7 @@
     </p:spTree>
     <p:extLst>
       <p:ext uri="{BB962C8B-B14F-4D97-AF65-F5344CB8AC3E}">
-        <p14:creationId xmlns:p14="http://schemas.microsoft.com/office/powerpoint/2010/main" val="1842273197"/>
+        <p14:creationId xmlns:p14="http://schemas.microsoft.com/office/powerpoint/2010/main" val="3815075376"/>
       </p:ext>
     </p:extLst>
   </p:cSld>
@@ -689,7 +695,7 @@
               <a:rPr lang="en-US"/>
               <a:t>Click to edit Master title style</a:t>
             </a:r>
-            <a:endParaRPr lang="en-US"/>
+            <a:endParaRPr lang="en-US" dirty="0"/>
           </a:p>
         </p:txBody>
       </p:sp>
@@ -741,7 +747,7 @@
               <a:rPr lang="en-US"/>
               <a:t>Fifth level</a:t>
             </a:r>
-            <a:endParaRPr lang="en-US"/>
+            <a:endParaRPr lang="en-US" dirty="0"/>
           </a:p>
         </p:txBody>
       </p:sp>
@@ -813,7 +819,7 @@
     </p:spTree>
     <p:extLst>
       <p:ext uri="{BB962C8B-B14F-4D97-AF65-F5344CB8AC3E}">
-        <p14:creationId xmlns:p14="http://schemas.microsoft.com/office/powerpoint/2010/main" val="3231309140"/>
+        <p14:creationId xmlns:p14="http://schemas.microsoft.com/office/powerpoint/2010/main" val="3518322992"/>
       </p:ext>
     </p:extLst>
   </p:cSld>
@@ -852,8 +858,8 @@
         </p:nvSpPr>
         <p:spPr>
           <a:xfrm>
-            <a:off x="831850" y="1709738"/>
-            <a:ext cx="10515600" cy="2852737"/>
+            <a:off x="623888" y="1709739"/>
+            <a:ext cx="7886700" cy="2852737"/>
           </a:xfrm>
         </p:spPr>
         <p:txBody>
@@ -868,7 +874,7 @@
               <a:rPr lang="en-US"/>
               <a:t>Click to edit Master title style</a:t>
             </a:r>
-            <a:endParaRPr lang="en-US"/>
+            <a:endParaRPr lang="en-US" dirty="0"/>
           </a:p>
         </p:txBody>
       </p:sp>
@@ -884,8 +890,8 @@
         </p:nvSpPr>
         <p:spPr>
           <a:xfrm>
-            <a:off x="831850" y="4589463"/>
-            <a:ext cx="10515600" cy="1500187"/>
+            <a:off x="623888" y="4589464"/>
+            <a:ext cx="7886700" cy="1500187"/>
           </a:xfrm>
         </p:spPr>
         <p:txBody>
@@ -895,9 +901,7 @@
               <a:buNone/>
               <a:defRPr sz="2400">
                 <a:solidFill>
-                  <a:schemeClr val="tx1">
-                    <a:tint val="75000"/>
-                  </a:schemeClr>
+                  <a:schemeClr val="tx1"/>
                 </a:solidFill>
               </a:defRPr>
             </a:lvl1pPr>
@@ -1059,7 +1063,7 @@
     </p:spTree>
     <p:extLst>
       <p:ext uri="{BB962C8B-B14F-4D97-AF65-F5344CB8AC3E}">
-        <p14:creationId xmlns:p14="http://schemas.microsoft.com/office/powerpoint/2010/main" val="207901409"/>
+        <p14:creationId xmlns:p14="http://schemas.microsoft.com/office/powerpoint/2010/main" val="3379803341"/>
       </p:ext>
     </p:extLst>
   </p:cSld>
@@ -1105,7 +1109,7 @@
               <a:rPr lang="en-US"/>
               <a:t>Click to edit Master title style</a:t>
             </a:r>
-            <a:endParaRPr lang="en-US"/>
+            <a:endParaRPr lang="en-US" dirty="0"/>
           </a:p>
         </p:txBody>
       </p:sp>
@@ -1121,8 +1125,8 @@
         </p:nvSpPr>
         <p:spPr>
           <a:xfrm>
-            <a:off x="838200" y="1825625"/>
-            <a:ext cx="5181600" cy="4351338"/>
+            <a:off x="628650" y="1825625"/>
+            <a:ext cx="3886200" cy="4351338"/>
           </a:xfrm>
         </p:spPr>
         <p:txBody>
@@ -1162,7 +1166,7 @@
               <a:rPr lang="en-US"/>
               <a:t>Fifth level</a:t>
             </a:r>
-            <a:endParaRPr lang="en-US"/>
+            <a:endParaRPr lang="en-US" dirty="0"/>
           </a:p>
         </p:txBody>
       </p:sp>
@@ -1178,8 +1182,8 @@
         </p:nvSpPr>
         <p:spPr>
           <a:xfrm>
-            <a:off x="6172200" y="1825625"/>
-            <a:ext cx="5181600" cy="4351338"/>
+            <a:off x="4629150" y="1825625"/>
+            <a:ext cx="3886200" cy="4351338"/>
           </a:xfrm>
         </p:spPr>
         <p:txBody>
@@ -1219,7 +1223,7 @@
               <a:rPr lang="en-US"/>
               <a:t>Fifth level</a:t>
             </a:r>
-            <a:endParaRPr lang="en-US"/>
+            <a:endParaRPr lang="en-US" dirty="0"/>
           </a:p>
         </p:txBody>
       </p:sp>
@@ -1291,7 +1295,7 @@
     </p:spTree>
     <p:extLst>
       <p:ext uri="{BB962C8B-B14F-4D97-AF65-F5344CB8AC3E}">
-        <p14:creationId xmlns:p14="http://schemas.microsoft.com/office/powerpoint/2010/main" val="1953659206"/>
+        <p14:creationId xmlns:p14="http://schemas.microsoft.com/office/powerpoint/2010/main" val="389552688"/>
       </p:ext>
     </p:extLst>
   </p:cSld>
@@ -1330,8 +1334,8 @@
         </p:nvSpPr>
         <p:spPr>
           <a:xfrm>
-            <a:off x="839788" y="365125"/>
-            <a:ext cx="10515600" cy="1325563"/>
+            <a:off x="629841" y="365126"/>
+            <a:ext cx="7886700" cy="1325563"/>
           </a:xfrm>
         </p:spPr>
         <p:txBody>
@@ -1342,7 +1346,7 @@
               <a:rPr lang="en-US"/>
               <a:t>Click to edit Master title style</a:t>
             </a:r>
-            <a:endParaRPr lang="en-US"/>
+            <a:endParaRPr lang="en-US" dirty="0"/>
           </a:p>
         </p:txBody>
       </p:sp>
@@ -1358,8 +1362,8 @@
         </p:nvSpPr>
         <p:spPr>
           <a:xfrm>
-            <a:off x="839788" y="1681163"/>
-            <a:ext cx="5157787" cy="823912"/>
+            <a:off x="629842" y="1681163"/>
+            <a:ext cx="3868340" cy="823912"/>
           </a:xfrm>
         </p:spPr>
         <p:txBody>
@@ -1423,8 +1427,8 @@
         </p:nvSpPr>
         <p:spPr>
           <a:xfrm>
-            <a:off x="839788" y="2505075"/>
-            <a:ext cx="5157787" cy="3684588"/>
+            <a:off x="629842" y="2505075"/>
+            <a:ext cx="3868340" cy="3684588"/>
           </a:xfrm>
         </p:spPr>
         <p:txBody>
@@ -1464,7 +1468,7 @@
               <a:rPr lang="en-US"/>
               <a:t>Fifth level</a:t>
             </a:r>
-            <a:endParaRPr lang="en-US"/>
+            <a:endParaRPr lang="en-US" dirty="0"/>
           </a:p>
         </p:txBody>
       </p:sp>
@@ -1480,8 +1484,8 @@
         </p:nvSpPr>
         <p:spPr>
           <a:xfrm>
-            <a:off x="6172200" y="1681163"/>
-            <a:ext cx="5183188" cy="823912"/>
+            <a:off x="4629150" y="1681163"/>
+            <a:ext cx="3887391" cy="823912"/>
           </a:xfrm>
         </p:spPr>
         <p:txBody>
@@ -1545,8 +1549,8 @@
         </p:nvSpPr>
         <p:spPr>
           <a:xfrm>
-            <a:off x="6172200" y="2505075"/>
-            <a:ext cx="5183188" cy="3684588"/>
+            <a:off x="4629150" y="2505075"/>
+            <a:ext cx="3887391" cy="3684588"/>
           </a:xfrm>
         </p:spPr>
         <p:txBody>
@@ -1586,7 +1590,7 @@
               <a:rPr lang="en-US"/>
               <a:t>Fifth level</a:t>
             </a:r>
-            <a:endParaRPr lang="en-US"/>
+            <a:endParaRPr lang="en-US" dirty="0"/>
           </a:p>
         </p:txBody>
       </p:sp>
@@ -1658,7 +1662,7 @@
     </p:spTree>
     <p:extLst>
       <p:ext uri="{BB962C8B-B14F-4D97-AF65-F5344CB8AC3E}">
-        <p14:creationId xmlns:p14="http://schemas.microsoft.com/office/powerpoint/2010/main" val="3892269964"/>
+        <p14:creationId xmlns:p14="http://schemas.microsoft.com/office/powerpoint/2010/main" val="1645332482"/>
       </p:ext>
     </p:extLst>
   </p:cSld>
@@ -1704,7 +1708,7 @@
               <a:rPr lang="en-US"/>
               <a:t>Click to edit Master title style</a:t>
             </a:r>
-            <a:endParaRPr lang="en-US"/>
+            <a:endParaRPr lang="en-US" dirty="0"/>
           </a:p>
         </p:txBody>
       </p:sp>
@@ -1776,7 +1780,7 @@
     </p:spTree>
     <p:extLst>
       <p:ext uri="{BB962C8B-B14F-4D97-AF65-F5344CB8AC3E}">
-        <p14:creationId xmlns:p14="http://schemas.microsoft.com/office/powerpoint/2010/main" val="2635115350"/>
+        <p14:creationId xmlns:p14="http://schemas.microsoft.com/office/powerpoint/2010/main" val="4035598036"/>
       </p:ext>
     </p:extLst>
   </p:cSld>
@@ -1871,7 +1875,7 @@
     </p:spTree>
     <p:extLst>
       <p:ext uri="{BB962C8B-B14F-4D97-AF65-F5344CB8AC3E}">
-        <p14:creationId xmlns:p14="http://schemas.microsoft.com/office/powerpoint/2010/main" val="239671631"/>
+        <p14:creationId xmlns:p14="http://schemas.microsoft.com/office/powerpoint/2010/main" val="1838966999"/>
       </p:ext>
     </p:extLst>
   </p:cSld>
@@ -1910,8 +1914,8 @@
         </p:nvSpPr>
         <p:spPr>
           <a:xfrm>
-            <a:off x="839788" y="457200"/>
-            <a:ext cx="3932237" cy="1600200"/>
+            <a:off x="629841" y="457200"/>
+            <a:ext cx="2949178" cy="1600200"/>
           </a:xfrm>
         </p:spPr>
         <p:txBody>
@@ -1926,7 +1930,7 @@
               <a:rPr lang="en-US"/>
               <a:t>Click to edit Master title style</a:t>
             </a:r>
-            <a:endParaRPr lang="en-US"/>
+            <a:endParaRPr lang="en-US" dirty="0"/>
           </a:p>
         </p:txBody>
       </p:sp>
@@ -1942,8 +1946,8 @@
         </p:nvSpPr>
         <p:spPr>
           <a:xfrm>
-            <a:off x="5183188" y="987425"/>
-            <a:ext cx="6172200" cy="4873625"/>
+            <a:off x="3887391" y="987426"/>
+            <a:ext cx="4629150" cy="4873625"/>
           </a:xfrm>
         </p:spPr>
         <p:txBody>
@@ -2011,7 +2015,7 @@
               <a:rPr lang="en-US"/>
               <a:t>Fifth level</a:t>
             </a:r>
-            <a:endParaRPr lang="en-US"/>
+            <a:endParaRPr lang="en-US" dirty="0"/>
           </a:p>
         </p:txBody>
       </p:sp>
@@ -2027,8 +2031,8 @@
         </p:nvSpPr>
         <p:spPr>
           <a:xfrm>
-            <a:off x="839788" y="2057400"/>
-            <a:ext cx="3932237" cy="3811588"/>
+            <a:off x="629841" y="2057400"/>
+            <a:ext cx="2949178" cy="3811588"/>
           </a:xfrm>
         </p:spPr>
         <p:txBody>
@@ -2148,7 +2152,7 @@
     </p:spTree>
     <p:extLst>
       <p:ext uri="{BB962C8B-B14F-4D97-AF65-F5344CB8AC3E}">
-        <p14:creationId xmlns:p14="http://schemas.microsoft.com/office/powerpoint/2010/main" val="3615575530"/>
+        <p14:creationId xmlns:p14="http://schemas.microsoft.com/office/powerpoint/2010/main" val="3806803621"/>
       </p:ext>
     </p:extLst>
   </p:cSld>
@@ -2187,8 +2191,8 @@
         </p:nvSpPr>
         <p:spPr>
           <a:xfrm>
-            <a:off x="839788" y="457200"/>
-            <a:ext cx="3932237" cy="1600200"/>
+            <a:off x="629841" y="457200"/>
+            <a:ext cx="2949178" cy="1600200"/>
           </a:xfrm>
         </p:spPr>
         <p:txBody>
@@ -2203,7 +2207,7 @@
               <a:rPr lang="en-US"/>
               <a:t>Click to edit Master title style</a:t>
             </a:r>
-            <a:endParaRPr lang="en-US"/>
+            <a:endParaRPr lang="en-US" dirty="0"/>
           </a:p>
         </p:txBody>
       </p:sp>
@@ -2211,7 +2215,7 @@
         <p:nvSpPr>
           <p:cNvPr id="3" name="Picture Placeholder 2"/>
           <p:cNvSpPr>
-            <a:spLocks noGrp="1"/>
+            <a:spLocks noGrp="1" noChangeAspect="1"/>
           </p:cNvSpPr>
           <p:nvPr>
             <p:ph type="pic" idx="1"/>
@@ -2219,12 +2223,12 @@
         </p:nvSpPr>
         <p:spPr>
           <a:xfrm>
-            <a:off x="5183188" y="987425"/>
-            <a:ext cx="6172200" cy="4873625"/>
+            <a:off x="3887391" y="987426"/>
+            <a:ext cx="4629150" cy="4873625"/>
           </a:xfrm>
         </p:spPr>
         <p:txBody>
-          <a:bodyPr/>
+          <a:bodyPr anchor="t"/>
           <a:lstStyle>
             <a:lvl1pPr marL="0" indent="0">
               <a:buNone/>
@@ -2264,7 +2268,11 @@
             </a:lvl9pPr>
           </a:lstStyle>
           <a:p>
-            <a:endParaRPr lang="en-US"/>
+            <a:r>
+              <a:rPr lang="en-US"/>
+              <a:t>Click icon to add picture</a:t>
+            </a:r>
+            <a:endParaRPr lang="en-US" dirty="0"/>
           </a:p>
         </p:txBody>
       </p:sp>
@@ -2280,8 +2288,8 @@
         </p:nvSpPr>
         <p:spPr>
           <a:xfrm>
-            <a:off x="839788" y="2057400"/>
-            <a:ext cx="3932237" cy="3811588"/>
+            <a:off x="629841" y="2057400"/>
+            <a:ext cx="2949178" cy="3811588"/>
           </a:xfrm>
         </p:spPr>
         <p:txBody>
@@ -2401,7 +2409,7 @@
     </p:spTree>
     <p:extLst>
       <p:ext uri="{BB962C8B-B14F-4D97-AF65-F5344CB8AC3E}">
-        <p14:creationId xmlns:p14="http://schemas.microsoft.com/office/powerpoint/2010/main" val="555980336"/>
+        <p14:creationId xmlns:p14="http://schemas.microsoft.com/office/powerpoint/2010/main" val="2229201137"/>
       </p:ext>
     </p:extLst>
   </p:cSld>
@@ -2445,8 +2453,8 @@
         </p:nvSpPr>
         <p:spPr>
           <a:xfrm>
-            <a:off x="838200" y="365125"/>
-            <a:ext cx="10515600" cy="1325563"/>
+            <a:off x="628650" y="365126"/>
+            <a:ext cx="7886700" cy="1325563"/>
           </a:xfrm>
           <a:prstGeom prst="rect">
             <a:avLst/>
@@ -2462,7 +2470,7 @@
               <a:rPr lang="en-US"/>
               <a:t>Click to edit Master title style</a:t>
             </a:r>
-            <a:endParaRPr lang="en-US"/>
+            <a:endParaRPr lang="en-US" dirty="0"/>
           </a:p>
         </p:txBody>
       </p:sp>
@@ -2478,8 +2486,8 @@
         </p:nvSpPr>
         <p:spPr>
           <a:xfrm>
-            <a:off x="838200" y="1825625"/>
-            <a:ext cx="10515600" cy="4351338"/>
+            <a:off x="628650" y="1825625"/>
+            <a:ext cx="7886700" cy="4351338"/>
           </a:xfrm>
           <a:prstGeom prst="rect">
             <a:avLst/>
@@ -2524,7 +2532,7 @@
               <a:rPr lang="en-US"/>
               <a:t>Fifth level</a:t>
             </a:r>
-            <a:endParaRPr lang="en-US"/>
+            <a:endParaRPr lang="en-US" dirty="0"/>
           </a:p>
         </p:txBody>
       </p:sp>
@@ -2540,8 +2548,8 @@
         </p:nvSpPr>
         <p:spPr>
           <a:xfrm>
-            <a:off x="838200" y="6356350"/>
-            <a:ext cx="2743200" cy="365125"/>
+            <a:off x="628650" y="6356351"/>
+            <a:ext cx="2057400" cy="365125"/>
           </a:xfrm>
           <a:prstGeom prst="rect">
             <a:avLst/>
@@ -2581,8 +2589,8 @@
         </p:nvSpPr>
         <p:spPr>
           <a:xfrm>
-            <a:off x="4038600" y="6356350"/>
-            <a:ext cx="4114800" cy="365125"/>
+            <a:off x="3028950" y="6356351"/>
+            <a:ext cx="3086100" cy="365125"/>
           </a:xfrm>
           <a:prstGeom prst="rect">
             <a:avLst/>
@@ -2618,8 +2626,8 @@
         </p:nvSpPr>
         <p:spPr>
           <a:xfrm>
-            <a:off x="8610600" y="6356350"/>
-            <a:ext cx="2743200" cy="365125"/>
+            <a:off x="6457950" y="6356351"/>
+            <a:ext cx="2057400" cy="365125"/>
           </a:xfrm>
           <a:prstGeom prst="rect">
             <a:avLst/>
@@ -2650,23 +2658,23 @@
     </p:spTree>
     <p:extLst>
       <p:ext uri="{BB962C8B-B14F-4D97-AF65-F5344CB8AC3E}">
-        <p14:creationId xmlns:p14="http://schemas.microsoft.com/office/powerpoint/2010/main" val="4115498265"/>
+        <p14:creationId xmlns:p14="http://schemas.microsoft.com/office/powerpoint/2010/main" val="3090471725"/>
       </p:ext>
     </p:extLst>
   </p:cSld>
   <p:clrMap bg1="lt1" tx1="dk1" bg2="lt2" tx2="dk2" accent1="accent1" accent2="accent2" accent3="accent3" accent4="accent4" accent5="accent5" accent6="accent6" hlink="hlink" folHlink="folHlink"/>
   <p:sldLayoutIdLst>
-    <p:sldLayoutId id="2147483649" r:id="rId1"/>
-    <p:sldLayoutId id="2147483650" r:id="rId2"/>
-    <p:sldLayoutId id="2147483651" r:id="rId3"/>
-    <p:sldLayoutId id="2147483652" r:id="rId4"/>
-    <p:sldLayoutId id="2147483653" r:id="rId5"/>
-    <p:sldLayoutId id="2147483654" r:id="rId6"/>
-    <p:sldLayoutId id="2147483655" r:id="rId7"/>
-    <p:sldLayoutId id="2147483656" r:id="rId8"/>
-    <p:sldLayoutId id="2147483657" r:id="rId9"/>
-    <p:sldLayoutId id="2147483658" r:id="rId10"/>
-    <p:sldLayoutId id="2147483659" r:id="rId11"/>
+    <p:sldLayoutId id="2147483661" r:id="rId1"/>
+    <p:sldLayoutId id="2147483662" r:id="rId2"/>
+    <p:sldLayoutId id="2147483663" r:id="rId3"/>
+    <p:sldLayoutId id="2147483664" r:id="rId4"/>
+    <p:sldLayoutId id="2147483665" r:id="rId5"/>
+    <p:sldLayoutId id="2147483666" r:id="rId6"/>
+    <p:sldLayoutId id="2147483667" r:id="rId7"/>
+    <p:sldLayoutId id="2147483668" r:id="rId8"/>
+    <p:sldLayoutId id="2147483669" r:id="rId9"/>
+    <p:sldLayoutId id="2147483670" r:id="rId10"/>
+    <p:sldLayoutId id="2147483671" r:id="rId11"/>
   </p:sldLayoutIdLst>
   <p:txStyles>
     <p:titleStyle>
@@ -3005,7 +3013,7 @@
           <a:bodyPr/>
           <a:lstStyle/>
           <a:p>
-            <a:endParaRPr lang="en-US"/>
+            <a:endParaRPr lang="en-US" dirty="0"/>
           </a:p>
         </p:txBody>
       </p:sp>
@@ -3046,7 +3054,7 @@
             <a:spLocks noGrp="1"/>
           </p:cNvSpPr>
           <p:nvPr>
-            <p:ph type="title"/>
+            <p:ph type="ctrTitle"/>
           </p:nvPr>
         </p:nvSpPr>
         <p:spPr/>
@@ -3063,63 +3071,27 @@
       </p:sp>
       <p:sp>
         <p:nvSpPr>
-          <p:cNvPr id="3" name="Content Placeholder 2"/>
-          <p:cNvSpPr>
-            <a:spLocks noGrp="1"/>
-          </p:cNvSpPr>
-          <p:nvPr>
-            <p:ph idx="1"/>
-          </p:nvPr>
-        </p:nvSpPr>
-        <p:spPr/>
-        <p:txBody>
-          <a:bodyPr/>
-          <a:lstStyle/>
-          <a:p>
-            <a:r>
-              <a:rPr lang="en-US" dirty="0"/>
-              <a:t>Random forest is an algorithm that operate by constructing a multitude of decision trees at training time and outputting the prediction of the individual trees. </a:t>
-            </a:r>
-          </a:p>
-          <a:p>
-            <a:r>
-              <a:rPr lang="en-US" dirty="0"/>
-              <a:t>Library: </a:t>
-            </a:r>
-            <a:r>
-              <a:rPr lang="en-US" dirty="0" err="1"/>
-              <a:t>Scikit</a:t>
-            </a:r>
-            <a:r>
-              <a:rPr lang="en-US" dirty="0"/>
-              <a:t>-learn </a:t>
-            </a:r>
-            <a:r>
-              <a:rPr lang="en-US" dirty="0" err="1"/>
-              <a:t>RandomForestRegressor</a:t>
-            </a:r>
+          <p:cNvPr id="3" name="Subtitle 2"/>
+          <p:cNvSpPr>
+            <a:spLocks noGrp="1"/>
+          </p:cNvSpPr>
+          <p:nvPr>
+            <p:ph type="subTitle" idx="1"/>
+          </p:nvPr>
+        </p:nvSpPr>
+        <p:spPr/>
+        <p:txBody>
+          <a:bodyPr/>
+          <a:lstStyle/>
+          <a:p>
             <a:endParaRPr lang="en-US" dirty="0"/>
-          </a:p>
-          <a:p>
-            <a:r>
-              <a:rPr lang="en-US" dirty="0"/>
-              <a:t>Dependency: </a:t>
-            </a:r>
-            <a:r>
-              <a:rPr lang="en-US" dirty="0" err="1"/>
-              <a:t>numpy</a:t>
-            </a:r>
-            <a:r>
-              <a:rPr lang="en-US" dirty="0"/>
-              <a:t>, pandas</a:t>
-            </a:r>
           </a:p>
         </p:txBody>
       </p:sp>
     </p:spTree>
     <p:extLst>
       <p:ext uri="{BB962C8B-B14F-4D97-AF65-F5344CB8AC3E}">
-        <p14:creationId xmlns:p14="http://schemas.microsoft.com/office/powerpoint/2010/main" val="1446992624"/>
+        <p14:creationId xmlns:p14="http://schemas.microsoft.com/office/powerpoint/2010/main" val="54684598"/>
       </p:ext>
     </p:extLst>
   </p:cSld>
@@ -3163,7 +3135,7 @@
           <a:p>
             <a:r>
               <a:rPr lang="en-US" dirty="0"/>
-              <a:t>Preprocessing</a:t>
+              <a:t>Library and Dependency</a:t>
             </a:r>
           </a:p>
         </p:txBody>
@@ -3185,36 +3157,34 @@
           <a:p>
             <a:r>
               <a:rPr lang="en-US" dirty="0"/>
-              <a:t>Implemented one-hot encoding for </a:t>
+              <a:t>Library: </a:t>
             </a:r>
             <a:r>
               <a:rPr lang="en-US" dirty="0" err="1"/>
-              <a:t>DayOfWeek</a:t>
+              <a:t>Scikit</a:t>
             </a:r>
             <a:r>
               <a:rPr lang="en-US" dirty="0"/>
-              <a:t>, State Holiday, Assortment, and Store Type</a:t>
-            </a:r>
+              <a:t>-learn </a:t>
+            </a:r>
+            <a:r>
+              <a:rPr lang="en-US" dirty="0" err="1"/>
+              <a:t>RandomForestRegressor</a:t>
+            </a:r>
+            <a:endParaRPr lang="en-US" dirty="0"/>
           </a:p>
           <a:p>
             <a:r>
               <a:rPr lang="en-US" dirty="0"/>
-              <a:t>Number of Features: 26</a:t>
-            </a:r>
-          </a:p>
-          <a:p>
+              <a:t>Dependency: </a:t>
+            </a:r>
+            <a:r>
+              <a:rPr lang="en-US" dirty="0" err="1"/>
+              <a:t>numpy</a:t>
+            </a:r>
             <a:r>
               <a:rPr lang="en-US" dirty="0"/>
-              <a:t>Each feature from each store was normalized using its corresponding standard deviation and mean</a:t>
-            </a:r>
-          </a:p>
-          <a:p>
-            <a:pPr marL="0" indent="0">
-              <a:buNone/>
-            </a:pPr>
-            <a:r>
-              <a:rPr lang="en-US" dirty="0"/>
-              <a:t> </a:t>
+              <a:t>, pandas</a:t>
             </a:r>
           </a:p>
         </p:txBody>
@@ -3222,7 +3192,7 @@
     </p:spTree>
     <p:extLst>
       <p:ext uri="{BB962C8B-B14F-4D97-AF65-F5344CB8AC3E}">
-        <p14:creationId xmlns:p14="http://schemas.microsoft.com/office/powerpoint/2010/main" val="1998233649"/>
+        <p14:creationId xmlns:p14="http://schemas.microsoft.com/office/powerpoint/2010/main" val="1446992624"/>
       </p:ext>
     </p:extLst>
   </p:cSld>
@@ -3266,7 +3236,7 @@
           <a:p>
             <a:r>
               <a:rPr lang="en-US" dirty="0"/>
-              <a:t>Training	</a:t>
+              <a:t>Preprocessing</a:t>
             </a:r>
           </a:p>
         </p:txBody>
@@ -3288,39 +3258,36 @@
           <a:p>
             <a:r>
               <a:rPr lang="en-US" dirty="0"/>
-              <a:t>Training and Validation Ratio:</a:t>
-            </a:r>
-          </a:p>
-          <a:p>
-            <a:pPr lvl="1"/>
+              <a:t>Implemented one-hot encoding for </a:t>
+            </a:r>
+            <a:r>
+              <a:rPr lang="en-US" dirty="0" err="1"/>
+              <a:t>DayOfWeek</a:t>
+            </a:r>
             <a:r>
               <a:rPr lang="en-US" dirty="0"/>
-              <a:t>First Trial: 80:20</a:t>
-            </a:r>
-          </a:p>
-          <a:p>
-            <a:pPr lvl="1"/>
+              <a:t>, State Holiday, Assortment, and Store Type</a:t>
+            </a:r>
+          </a:p>
+          <a:p>
             <a:r>
               <a:rPr lang="en-US" dirty="0"/>
-              <a:t>Second Trial: 50:50</a:t>
+              <a:t>Number of Features: 26</a:t>
             </a:r>
           </a:p>
           <a:p>
             <a:r>
               <a:rPr lang="en-US" dirty="0"/>
-              <a:t>Each store was trained, validated, and predicted independently from each other</a:t>
-            </a:r>
-          </a:p>
-          <a:p>
+              <a:t>Each feature from each store was normalized using its corresponding standard deviation and mean</a:t>
+            </a:r>
+          </a:p>
+          <a:p>
+            <a:pPr marL="0" indent="0">
+              <a:buNone/>
+            </a:pPr>
             <a:r>
               <a:rPr lang="en-US" dirty="0"/>
-              <a:t>Number of Trees: 30 (100)</a:t>
-            </a:r>
-          </a:p>
-          <a:p>
-            <a:r>
-              <a:rPr lang="en-US" dirty="0"/>
-              <a:t>Maximum Features: 0.7</a:t>
+              <a:t> </a:t>
             </a:r>
           </a:p>
         </p:txBody>
@@ -3328,7 +3295,7 @@
     </p:spTree>
     <p:extLst>
       <p:ext uri="{BB962C8B-B14F-4D97-AF65-F5344CB8AC3E}">
-        <p14:creationId xmlns:p14="http://schemas.microsoft.com/office/powerpoint/2010/main" val="923844209"/>
+        <p14:creationId xmlns:p14="http://schemas.microsoft.com/office/powerpoint/2010/main" val="1998233649"/>
       </p:ext>
     </p:extLst>
   </p:cSld>
@@ -3372,6 +3339,112 @@
           <a:p>
             <a:r>
               <a:rPr lang="en-US" dirty="0"/>
+              <a:t>Training	</a:t>
+            </a:r>
+          </a:p>
+        </p:txBody>
+      </p:sp>
+      <p:sp>
+        <p:nvSpPr>
+          <p:cNvPr id="3" name="Content Placeholder 2"/>
+          <p:cNvSpPr>
+            <a:spLocks noGrp="1"/>
+          </p:cNvSpPr>
+          <p:nvPr>
+            <p:ph idx="1"/>
+          </p:nvPr>
+        </p:nvSpPr>
+        <p:spPr/>
+        <p:txBody>
+          <a:bodyPr/>
+          <a:lstStyle/>
+          <a:p>
+            <a:r>
+              <a:rPr lang="en-US" dirty="0"/>
+              <a:t>Training and Validation Ratio:</a:t>
+            </a:r>
+          </a:p>
+          <a:p>
+            <a:pPr lvl="1"/>
+            <a:r>
+              <a:rPr lang="en-US" dirty="0"/>
+              <a:t>First Trial: 80:20</a:t>
+            </a:r>
+          </a:p>
+          <a:p>
+            <a:pPr lvl="1"/>
+            <a:r>
+              <a:rPr lang="en-US" dirty="0"/>
+              <a:t>Second Trial: 50:50</a:t>
+            </a:r>
+          </a:p>
+          <a:p>
+            <a:r>
+              <a:rPr lang="en-US" dirty="0"/>
+              <a:t>Each store was trained, validated, and predicted independently from each other</a:t>
+            </a:r>
+          </a:p>
+          <a:p>
+            <a:r>
+              <a:rPr lang="en-US" dirty="0"/>
+              <a:t>Number of Trees: 30 (100)</a:t>
+            </a:r>
+          </a:p>
+          <a:p>
+            <a:r>
+              <a:rPr lang="en-US" dirty="0"/>
+              <a:t>Maximum Features: 0.7</a:t>
+            </a:r>
+          </a:p>
+        </p:txBody>
+      </p:sp>
+    </p:spTree>
+    <p:extLst>
+      <p:ext uri="{BB962C8B-B14F-4D97-AF65-F5344CB8AC3E}">
+        <p14:creationId xmlns:p14="http://schemas.microsoft.com/office/powerpoint/2010/main" val="923844209"/>
+      </p:ext>
+    </p:extLst>
+  </p:cSld>
+  <p:clrMapOvr>
+    <a:masterClrMapping/>
+  </p:clrMapOvr>
+</p:sld>
+</file>
+
+<file path=ppt/slides/slide6.xml><?xml version="1.0" encoding="utf-8"?>
+<p:sld xmlns:a="http://schemas.openxmlformats.org/drawingml/2006/main" xmlns:r="http://schemas.openxmlformats.org/officeDocument/2006/relationships" xmlns:p="http://schemas.openxmlformats.org/presentationml/2006/main">
+  <p:cSld>
+    <p:spTree>
+      <p:nvGrpSpPr>
+        <p:cNvPr id="1" name=""/>
+        <p:cNvGrpSpPr/>
+        <p:nvPr/>
+      </p:nvGrpSpPr>
+      <p:grpSpPr>
+        <a:xfrm>
+          <a:off x="0" y="0"/>
+          <a:ext cx="0" cy="0"/>
+          <a:chOff x="0" y="0"/>
+          <a:chExt cx="0" cy="0"/>
+        </a:xfrm>
+      </p:grpSpPr>
+      <p:sp>
+        <p:nvSpPr>
+          <p:cNvPr id="2" name="Title 1"/>
+          <p:cNvSpPr>
+            <a:spLocks noGrp="1"/>
+          </p:cNvSpPr>
+          <p:nvPr>
+            <p:ph type="title"/>
+          </p:nvPr>
+        </p:nvSpPr>
+        <p:spPr/>
+        <p:txBody>
+          <a:bodyPr/>
+          <a:lstStyle/>
+          <a:p>
+            <a:r>
+              <a:rPr lang="en-US" dirty="0"/>
               <a:t>Result</a:t>
             </a:r>
           </a:p>
@@ -3450,7 +3523,7 @@
 <file path=ppt/theme/theme1.xml><?xml version="1.0" encoding="utf-8"?>
 <a:theme xmlns:a="http://schemas.openxmlformats.org/drawingml/2006/main" name="Office Theme">
   <a:themeElements>
-    <a:clrScheme name="Office">
+    <a:clrScheme name="Office Theme">
       <a:dk1>
         <a:sysClr val="windowText" lastClr="000000"/>
       </a:dk1>
@@ -3488,7 +3561,7 @@
         <a:srgbClr val="954F72"/>
       </a:folHlink>
     </a:clrScheme>
-    <a:fontScheme name="Office">
+    <a:fontScheme name="Office Theme">
       <a:majorFont>
         <a:latin typeface="Calibri Light" panose="020F0302020204030204"/>
         <a:ea typeface=""/>
@@ -3523,23 +3596,6 @@
         <a:font script="Viet" typeface="Times New Roman"/>
         <a:font script="Uigh" typeface="Microsoft Uighur"/>
         <a:font script="Geor" typeface="Sylfaen"/>
-        <a:font script="Armn" typeface="Arial"/>
-        <a:font script="Bugi" typeface="Leelawadee UI"/>
-        <a:font script="Bopo" typeface="Microsoft JhengHei"/>
-        <a:font script="Java" typeface="Javanese Text"/>
-        <a:font script="Lisu" typeface="Segoe UI"/>
-        <a:font script="Mymr" typeface="Myanmar Text"/>
-        <a:font script="Nkoo" typeface="Ebrima"/>
-        <a:font script="Olck" typeface="Nirmala UI"/>
-        <a:font script="Osma" typeface="Ebrima"/>
-        <a:font script="Phag" typeface="Phagspa"/>
-        <a:font script="Syrn" typeface="Estrangelo Edessa"/>
-        <a:font script="Syrj" typeface="Estrangelo Edessa"/>
-        <a:font script="Syre" typeface="Estrangelo Edessa"/>
-        <a:font script="Sora" typeface="Nirmala UI"/>
-        <a:font script="Tale" typeface="Microsoft Tai Le"/>
-        <a:font script="Talu" typeface="Microsoft New Tai Lue"/>
-        <a:font script="Tfng" typeface="Ebrima"/>
       </a:majorFont>
       <a:minorFont>
         <a:latin typeface="Calibri" panose="020F0502020204030204"/>
@@ -3575,26 +3631,9 @@
         <a:font script="Viet" typeface="Arial"/>
         <a:font script="Uigh" typeface="Microsoft Uighur"/>
         <a:font script="Geor" typeface="Sylfaen"/>
-        <a:font script="Armn" typeface="Arial"/>
-        <a:font script="Bugi" typeface="Leelawadee UI"/>
-        <a:font script="Bopo" typeface="Microsoft JhengHei"/>
-        <a:font script="Java" typeface="Javanese Text"/>
-        <a:font script="Lisu" typeface="Segoe UI"/>
-        <a:font script="Mymr" typeface="Myanmar Text"/>
-        <a:font script="Nkoo" typeface="Ebrima"/>
-        <a:font script="Olck" typeface="Nirmala UI"/>
-        <a:font script="Osma" typeface="Ebrima"/>
-        <a:font script="Phag" typeface="Phagspa"/>
-        <a:font script="Syrn" typeface="Estrangelo Edessa"/>
-        <a:font script="Syrj" typeface="Estrangelo Edessa"/>
-        <a:font script="Syre" typeface="Estrangelo Edessa"/>
-        <a:font script="Sora" typeface="Nirmala UI"/>
-        <a:font script="Tale" typeface="Microsoft Tai Le"/>
-        <a:font script="Talu" typeface="Microsoft New Tai Lue"/>
-        <a:font script="Tfng" typeface="Ebrima"/>
       </a:minorFont>
     </a:fontScheme>
-    <a:fmtScheme name="Office">
+    <a:fmtScheme name="Office Theme">
       <a:fillStyleLst>
         <a:solidFill>
           <a:schemeClr val="phClr"/>
